--- a/Python/Python_1_DataStructures.pptx
+++ b/Python/Python_1_DataStructures.pptx
@@ -219,7 +219,7 @@
           <a:p>
             <a:fld id="{51394A1C-3F15-44A0-B872-9746834B184B}" type="datetimeFigureOut">
               <a:rPr lang="en-US" smtClean="0"/>
-              <a:t>1/20/21</a:t>
+              <a:t>1/22/21</a:t>
             </a:fld>
             <a:endParaRPr lang="en-US"/>
           </a:p>
@@ -801,7 +801,7 @@
           <a:p>
             <a:fld id="{3274E6D2-86D9-493A-B4F9-ED12BD5909EA}" type="datetimeFigureOut">
               <a:rPr lang="en-US" smtClean="0"/>
-              <a:t>1/20/21</a:t>
+              <a:t>1/22/21</a:t>
             </a:fld>
             <a:endParaRPr lang="en-US"/>
           </a:p>
@@ -999,7 +999,7 @@
           <a:p>
             <a:fld id="{3274E6D2-86D9-493A-B4F9-ED12BD5909EA}" type="datetimeFigureOut">
               <a:rPr lang="en-US" smtClean="0"/>
-              <a:t>1/20/21</a:t>
+              <a:t>1/22/21</a:t>
             </a:fld>
             <a:endParaRPr lang="en-US"/>
           </a:p>
@@ -1207,7 +1207,7 @@
           <a:p>
             <a:fld id="{3274E6D2-86D9-493A-B4F9-ED12BD5909EA}" type="datetimeFigureOut">
               <a:rPr lang="en-US" smtClean="0"/>
-              <a:t>1/20/21</a:t>
+              <a:t>1/22/21</a:t>
             </a:fld>
             <a:endParaRPr lang="en-US"/>
           </a:p>
@@ -1405,7 +1405,7 @@
           <a:p>
             <a:fld id="{3274E6D2-86D9-493A-B4F9-ED12BD5909EA}" type="datetimeFigureOut">
               <a:rPr lang="en-US" smtClean="0"/>
-              <a:t>1/20/21</a:t>
+              <a:t>1/22/21</a:t>
             </a:fld>
             <a:endParaRPr lang="en-US"/>
           </a:p>
@@ -1680,7 +1680,7 @@
           <a:p>
             <a:fld id="{3274E6D2-86D9-493A-B4F9-ED12BD5909EA}" type="datetimeFigureOut">
               <a:rPr lang="en-US" smtClean="0"/>
-              <a:t>1/20/21</a:t>
+              <a:t>1/22/21</a:t>
             </a:fld>
             <a:endParaRPr lang="en-US"/>
           </a:p>
@@ -1945,7 +1945,7 @@
           <a:p>
             <a:fld id="{3274E6D2-86D9-493A-B4F9-ED12BD5909EA}" type="datetimeFigureOut">
               <a:rPr lang="en-US" smtClean="0"/>
-              <a:t>1/20/21</a:t>
+              <a:t>1/22/21</a:t>
             </a:fld>
             <a:endParaRPr lang="en-US"/>
           </a:p>
@@ -2357,7 +2357,7 @@
           <a:p>
             <a:fld id="{3274E6D2-86D9-493A-B4F9-ED12BD5909EA}" type="datetimeFigureOut">
               <a:rPr lang="en-US" smtClean="0"/>
-              <a:t>1/20/21</a:t>
+              <a:t>1/22/21</a:t>
             </a:fld>
             <a:endParaRPr lang="en-US"/>
           </a:p>
@@ -2498,7 +2498,7 @@
           <a:p>
             <a:fld id="{3274E6D2-86D9-493A-B4F9-ED12BD5909EA}" type="datetimeFigureOut">
               <a:rPr lang="en-US" smtClean="0"/>
-              <a:t>1/20/21</a:t>
+              <a:t>1/22/21</a:t>
             </a:fld>
             <a:endParaRPr lang="en-US"/>
           </a:p>
@@ -2611,7 +2611,7 @@
           <a:p>
             <a:fld id="{3274E6D2-86D9-493A-B4F9-ED12BD5909EA}" type="datetimeFigureOut">
               <a:rPr lang="en-US" smtClean="0"/>
-              <a:t>1/20/21</a:t>
+              <a:t>1/22/21</a:t>
             </a:fld>
             <a:endParaRPr lang="en-US"/>
           </a:p>
@@ -2922,7 +2922,7 @@
           <a:p>
             <a:fld id="{3274E6D2-86D9-493A-B4F9-ED12BD5909EA}" type="datetimeFigureOut">
               <a:rPr lang="en-US" smtClean="0"/>
-              <a:t>1/20/21</a:t>
+              <a:t>1/22/21</a:t>
             </a:fld>
             <a:endParaRPr lang="en-US"/>
           </a:p>
@@ -3210,7 +3210,7 @@
           <a:p>
             <a:fld id="{3274E6D2-86D9-493A-B4F9-ED12BD5909EA}" type="datetimeFigureOut">
               <a:rPr lang="en-US" smtClean="0"/>
-              <a:t>1/20/21</a:t>
+              <a:t>1/22/21</a:t>
             </a:fld>
             <a:endParaRPr lang="en-US"/>
           </a:p>
@@ -3451,7 +3451,7 @@
           <a:p>
             <a:fld id="{3274E6D2-86D9-493A-B4F9-ED12BD5909EA}" type="datetimeFigureOut">
               <a:rPr lang="en-US" smtClean="0"/>
-              <a:t>1/20/21</a:t>
+              <a:t>1/22/21</a:t>
             </a:fld>
             <a:endParaRPr lang="en-US"/>
           </a:p>
@@ -4056,8 +4056,13 @@
           <a:p>
             <a:r>
               <a:rPr lang="ru-RU" dirty="0"/>
-              <a:t>Они позволяют нам не делать лишних экранирований</a:t>
-            </a:r>
+              <a:t>Они позволяют нам не делать лишних </a:t>
+            </a:r>
+            <a:r>
+              <a:rPr lang="ru-RU" dirty="0" err="1"/>
+              <a:t>экранирований</a:t>
+            </a:r>
+            <a:endParaRPr lang="ru-RU" dirty="0"/>
           </a:p>
           <a:p>
             <a:pPr marL="0" indent="0">
